--- a/AL-learning AL from data.pptx
+++ b/AL-learning AL from data.pptx
@@ -7100,6 +7100,137 @@
   <p:clrMapOvr>
     <a:masterClrMapping/>
   </p:clrMapOvr>
+  <p:timing>
+    <p:tnLst>
+      <p:par>
+        <p:cTn id="1" dur="indefinite" restart="never" nodeType="tmRoot">
+          <p:childTnLst>
+            <p:seq concurrent="1" nextAc="seek">
+              <p:cTn id="2" dur="indefinite" nodeType="mainSeq">
+                <p:childTnLst>
+                  <p:par>
+                    <p:cTn id="3" fill="hold">
+                      <p:stCondLst>
+                        <p:cond delay="indefinite"/>
+                      </p:stCondLst>
+                      <p:childTnLst>
+                        <p:par>
+                          <p:cTn id="4" fill="hold">
+                            <p:stCondLst>
+                              <p:cond delay="0"/>
+                            </p:stCondLst>
+                            <p:childTnLst>
+                              <p:par>
+                                <p:cTn id="5" presetID="1" presetClass="entr" presetSubtype="0" fill="hold" grpId="0" nodeType="clickEffect">
+                                  <p:stCondLst>
+                                    <p:cond delay="0"/>
+                                  </p:stCondLst>
+                                  <p:childTnLst>
+                                    <p:set>
+                                      <p:cBhvr>
+                                        <p:cTn id="6" dur="1" fill="hold">
+                                          <p:stCondLst>
+                                            <p:cond delay="0"/>
+                                          </p:stCondLst>
+                                        </p:cTn>
+                                        <p:tgtEl>
+                                          <p:spTgt spid="3">
+                                            <p:txEl>
+                                              <p:pRg st="0" end="0"/>
+                                            </p:txEl>
+                                          </p:spTgt>
+                                        </p:tgtEl>
+                                        <p:attrNameLst>
+                                          <p:attrName>style.visibility</p:attrName>
+                                        </p:attrNameLst>
+                                      </p:cBhvr>
+                                      <p:to>
+                                        <p:strVal val="visible"/>
+                                      </p:to>
+                                    </p:set>
+                                  </p:childTnLst>
+                                </p:cTn>
+                              </p:par>
+                            </p:childTnLst>
+                          </p:cTn>
+                        </p:par>
+                      </p:childTnLst>
+                    </p:cTn>
+                  </p:par>
+                  <p:par>
+                    <p:cTn id="7" fill="hold">
+                      <p:stCondLst>
+                        <p:cond delay="indefinite"/>
+                      </p:stCondLst>
+                      <p:childTnLst>
+                        <p:par>
+                          <p:cTn id="8" fill="hold">
+                            <p:stCondLst>
+                              <p:cond delay="0"/>
+                            </p:stCondLst>
+                            <p:childTnLst>
+                              <p:par>
+                                <p:cTn id="9" presetID="1" presetClass="entr" presetSubtype="0" fill="hold" grpId="0" nodeType="clickEffect">
+                                  <p:stCondLst>
+                                    <p:cond delay="0"/>
+                                  </p:stCondLst>
+                                  <p:childTnLst>
+                                    <p:set>
+                                      <p:cBhvr>
+                                        <p:cTn id="10" dur="1" fill="hold">
+                                          <p:stCondLst>
+                                            <p:cond delay="0"/>
+                                          </p:stCondLst>
+                                        </p:cTn>
+                                        <p:tgtEl>
+                                          <p:spTgt spid="3">
+                                            <p:txEl>
+                                              <p:pRg st="1" end="1"/>
+                                            </p:txEl>
+                                          </p:spTgt>
+                                        </p:tgtEl>
+                                        <p:attrNameLst>
+                                          <p:attrName>style.visibility</p:attrName>
+                                        </p:attrNameLst>
+                                      </p:cBhvr>
+                                      <p:to>
+                                        <p:strVal val="visible"/>
+                                      </p:to>
+                                    </p:set>
+                                  </p:childTnLst>
+                                </p:cTn>
+                              </p:par>
+                            </p:childTnLst>
+                          </p:cTn>
+                        </p:par>
+                      </p:childTnLst>
+                    </p:cTn>
+                  </p:par>
+                </p:childTnLst>
+              </p:cTn>
+              <p:prevCondLst>
+                <p:cond evt="onPrev" delay="0">
+                  <p:tgtEl>
+                    <p:sldTgt/>
+                  </p:tgtEl>
+                </p:cond>
+              </p:prevCondLst>
+              <p:nextCondLst>
+                <p:cond evt="onNext" delay="0">
+                  <p:tgtEl>
+                    <p:sldTgt/>
+                  </p:tgtEl>
+                </p:cond>
+              </p:nextCondLst>
+            </p:seq>
+          </p:childTnLst>
+        </p:cTn>
+      </p:par>
+    </p:tnLst>
+    <p:bldLst>
+      <p:bldP spid="3" grpId="0" build="p"/>
+    </p:bldLst>
+  </p:timing>
 </p:sld>
 </file>
 
@@ -7185,7 +7316,7 @@
           <a:p>
             <a:r>
               <a:rPr lang="en-US" dirty="0"/>
-              <a:t>Compare the following three versions of our approach: </a:t>
+              <a:t>Compare the following versions of our approach: </a:t>
             </a:r>
           </a:p>
           <a:p>
@@ -8043,21 +8174,15 @@
               <a:rPr lang="en-US" u="sng" dirty="0">
                 <a:hlinkClick r:id="rId3"/>
               </a:rPr>
-              <a:t>https://github.com/ksenia-konyushkova</a:t>
-            </a:r>
-            <a:r>
-              <a:rPr lang="en-US" u="sng">
-                <a:hlinkClick r:id="rId3"/>
-              </a:rPr>
-              <a:t>/LAL</a:t>
-            </a:r>
-            <a:endParaRPr lang="en-US"/>
+              <a:t>https://github.com/ksenia-konyushkova/LAL</a:t>
+            </a:r>
+            <a:endParaRPr lang="en-US" dirty="0"/>
           </a:p>
           <a:p>
             <a:pPr marL="457200" lvl="1" indent="0">
               <a:buNone/>
             </a:pPr>
-            <a:endParaRPr lang="en-US"/>
+            <a:endParaRPr lang="en-US" dirty="0"/>
           </a:p>
         </p:txBody>
       </p:sp>
@@ -8776,8 +8901,8 @@
         </p:blipFill>
         <p:spPr>
           <a:xfrm>
-            <a:off x="5207488" y="3154947"/>
-            <a:ext cx="4829084" cy="2721219"/>
+            <a:off x="5113234" y="2709587"/>
+            <a:ext cx="5359504" cy="3020114"/>
           </a:xfrm>
           <a:prstGeom prst="rect">
             <a:avLst/>
@@ -8807,7 +8932,7 @@
         <p:spPr>
           <a:xfrm>
             <a:off x="5207488" y="5867581"/>
-            <a:ext cx="4419171" cy="761637"/>
+            <a:ext cx="5265250" cy="907457"/>
           </a:xfrm>
           <a:prstGeom prst="rect">
             <a:avLst/>
@@ -9297,8 +9422,8 @@
         </p:nvSpPr>
         <p:spPr>
           <a:xfrm>
-            <a:off x="677334" y="1270001"/>
-            <a:ext cx="8596668" cy="2571750"/>
+            <a:off x="677334" y="1270000"/>
+            <a:ext cx="9666816" cy="3244849"/>
           </a:xfrm>
         </p:spPr>
         <p:txBody>
@@ -9306,40 +9431,40 @@
           <a:lstStyle/>
           <a:p>
             <a:r>
-              <a:rPr lang="en-US" dirty="0"/>
+              <a:rPr lang="en-US" sz="2000" dirty="0"/>
               <a:t>Uncertainty Sampling</a:t>
             </a:r>
             <a:r>
-              <a:rPr lang="en-US" altLang="zh-CN" dirty="0"/>
+              <a:rPr lang="en-US" altLang="zh-CN" sz="2000" dirty="0"/>
               <a:t>:</a:t>
             </a:r>
           </a:p>
           <a:p>
             <a:pPr lvl="1"/>
             <a:r>
-              <a:rPr lang="en-US" dirty="0"/>
+              <a:rPr lang="en-US" sz="2000" dirty="0"/>
               <a:t>selecting first samples about which the current classifier is least certain. </a:t>
             </a:r>
           </a:p>
           <a:p>
             <a:pPr lvl="1"/>
             <a:r>
-              <a:rPr lang="en-US" dirty="0"/>
+              <a:rPr lang="en-US" sz="2000" dirty="0"/>
               <a:t>There are many definitions of maximum uncertainty but one of the most widely accepted is to select samples that maximize the entropy H over predicted classes. </a:t>
             </a:r>
           </a:p>
           <a:p>
             <a:pPr lvl="1"/>
             <a:r>
-              <a:rPr lang="en-US" dirty="0"/>
+              <a:rPr lang="en-US" sz="2000" dirty="0"/>
               <a:t>In other words, this means taking x</a:t>
             </a:r>
             <a:r>
-              <a:rPr lang="en-US" baseline="30000" dirty="0"/>
+              <a:rPr lang="en-US" sz="2000" baseline="30000" dirty="0"/>
               <a:t>∗</a:t>
             </a:r>
             <a:r>
-              <a:rPr lang="en-US" dirty="0"/>
+              <a:rPr lang="en-US" sz="2000" dirty="0"/>
               <a:t> to be </a:t>
             </a:r>
           </a:p>
@@ -9377,7 +9502,7 @@
         </p:blipFill>
         <p:spPr>
           <a:xfrm>
-            <a:off x="2768934" y="3016250"/>
+            <a:off x="3140518" y="3689349"/>
             <a:ext cx="3670300" cy="825500"/>
           </a:xfrm>
           <a:prstGeom prst="rect">
@@ -9741,130 +9866,130 @@
           <a:lstStyle/>
           <a:p>
             <a:r>
-              <a:rPr lang="en-US" dirty="0"/>
+              <a:rPr lang="en-US" sz="2000" dirty="0"/>
               <a:t>Split the dataset into training D and testing D′ data and use a small subset of labels from D to train an initial classifier, which performance is tested on D′. </a:t>
             </a:r>
           </a:p>
           <a:p>
             <a:r>
-              <a:rPr lang="en-US" dirty="0"/>
+              <a:rPr lang="en-US" sz="2000" dirty="0"/>
               <a:t>A number of parameters </a:t>
             </a:r>
             <a:r>
-              <a:rPr lang="el-GR" dirty="0"/>
+              <a:rPr lang="el-GR" sz="2000" dirty="0"/>
               <a:t>φ </a:t>
             </a:r>
             <a:r>
-              <a:rPr lang="en-US" dirty="0"/>
+              <a:rPr lang="en-US" sz="2000" dirty="0"/>
               <a:t>that characterizes the state of the classifier is evaluated. </a:t>
             </a:r>
           </a:p>
           <a:p>
             <a:r>
-              <a:rPr lang="en-US" altLang="zh-CN" dirty="0"/>
+              <a:rPr lang="en-US" altLang="zh-CN" sz="2000" dirty="0"/>
               <a:t>I</a:t>
             </a:r>
             <a:r>
-              <a:rPr lang="en-US" dirty="0"/>
+              <a:rPr lang="en-US" sz="2000" dirty="0"/>
               <a:t>ncorporate unused labels from D individually to retrain the classifier. </a:t>
             </a:r>
           </a:p>
           <a:p>
             <a:r>
-              <a:rPr lang="en-US" altLang="zh-CN" dirty="0"/>
+              <a:rPr lang="en-US" altLang="zh-CN" sz="2000" dirty="0"/>
               <a:t>S</a:t>
             </a:r>
             <a:r>
-              <a:rPr lang="en-US" dirty="0"/>
+              <a:rPr lang="en-US" sz="2000" dirty="0"/>
               <a:t>tart the LAL Monte-Carlo procedure by splitting D into a labeled set L</a:t>
             </a:r>
             <a:r>
-              <a:rPr lang="el-GR" baseline="-25000" dirty="0"/>
+              <a:rPr lang="el-GR" sz="2000" baseline="-25000" dirty="0"/>
               <a:t>τ</a:t>
             </a:r>
             <a:r>
-              <a:rPr lang="el-GR" dirty="0"/>
+              <a:rPr lang="el-GR" sz="2000" dirty="0"/>
               <a:t> </a:t>
             </a:r>
             <a:r>
-              <a:rPr lang="en-US" dirty="0"/>
+              <a:rPr lang="en-US" sz="2000" dirty="0"/>
               <a:t>of size </a:t>
             </a:r>
             <a:r>
-              <a:rPr lang="el-GR" dirty="0"/>
+              <a:rPr lang="el-GR" sz="2000" dirty="0"/>
               <a:t>τ </a:t>
             </a:r>
             <a:r>
-              <a:rPr lang="en-US" dirty="0"/>
+              <a:rPr lang="en-US" sz="2000" dirty="0"/>
               <a:t>and an unlabeled set U</a:t>
             </a:r>
             <a:r>
-              <a:rPr lang="el-GR" baseline="-25000" dirty="0"/>
+              <a:rPr lang="el-GR" sz="2000" baseline="-25000" dirty="0"/>
               <a:t>τ</a:t>
             </a:r>
             <a:r>
-              <a:rPr lang="el-GR" dirty="0"/>
+              <a:rPr lang="el-GR" sz="2000" dirty="0"/>
               <a:t> </a:t>
             </a:r>
             <a:r>
-              <a:rPr lang="en-US" dirty="0"/>
+              <a:rPr lang="en-US" sz="2000" dirty="0"/>
               <a:t>containing the remaining points. </a:t>
             </a:r>
           </a:p>
           <a:p>
             <a:r>
-              <a:rPr lang="en-US" dirty="0"/>
+              <a:rPr lang="en-US" sz="2000" dirty="0"/>
               <a:t>The loss of f</a:t>
             </a:r>
             <a:r>
-              <a:rPr lang="en-US" baseline="-25000" dirty="0"/>
+              <a:rPr lang="en-US" sz="2000" baseline="-25000" dirty="0"/>
               <a:t>L0</a:t>
             </a:r>
             <a:r>
-              <a:rPr lang="en-US" dirty="0"/>
+              <a:rPr lang="en-US" sz="2000" dirty="0"/>
               <a:t> on</a:t>
             </a:r>
             <a:r>
-              <a:rPr lang="zh-CN" altLang="en-US" dirty="0"/>
+              <a:rPr lang="zh-CN" altLang="en-US" sz="2000" dirty="0"/>
               <a:t> </a:t>
             </a:r>
             <a:r>
-              <a:rPr lang="en-US" dirty="0"/>
+              <a:rPr lang="en-US" sz="2000" dirty="0"/>
               <a:t>D′</a:t>
             </a:r>
             <a:r>
-              <a:rPr lang="zh-CN" altLang="en-US" dirty="0"/>
+              <a:rPr lang="zh-CN" altLang="en-US" sz="2000" dirty="0"/>
               <a:t> </a:t>
             </a:r>
             <a:r>
-              <a:rPr lang="en-US" dirty="0"/>
+              <a:rPr lang="en-US" sz="2000" dirty="0"/>
               <a:t>is</a:t>
             </a:r>
             <a:r>
-              <a:rPr lang="zh-CN" altLang="en-US" dirty="0"/>
+              <a:rPr lang="zh-CN" altLang="en-US" sz="2000" dirty="0"/>
               <a:t>           </a:t>
             </a:r>
-            <a:endParaRPr lang="en-US" altLang="zh-CN" dirty="0"/>
+            <a:endParaRPr lang="en-US" altLang="zh-CN" sz="2000" dirty="0"/>
           </a:p>
           <a:p>
             <a:pPr lvl="1"/>
             <a:r>
-              <a:rPr lang="en-US" dirty="0"/>
+              <a:rPr lang="en-US" sz="2000" dirty="0"/>
               <a:t>Where</a:t>
             </a:r>
           </a:p>
           <a:p>
             <a:pPr lvl="1"/>
             <a:r>
-              <a:rPr lang="en-US" dirty="0"/>
+              <a:rPr lang="en-US" sz="2000" dirty="0"/>
               <a:t>Only</a:t>
             </a:r>
             <a:r>
-              <a:rPr lang="zh-CN" altLang="en-US" dirty="0"/>
+              <a:rPr lang="zh-CN" altLang="en-US" sz="2000" dirty="0"/>
               <a:t> </a:t>
             </a:r>
             <a:r>
-              <a:rPr lang="en-US" dirty="0"/>
+              <a:rPr lang="en-US" sz="2000" dirty="0"/>
               <a:t>consider simple 0/1 loss</a:t>
             </a:r>
           </a:p>
@@ -9913,7 +10038,7 @@
         </p:blipFill>
         <p:spPr>
           <a:xfrm>
-            <a:off x="3445318" y="3668346"/>
+            <a:off x="3716784" y="4182698"/>
             <a:ext cx="3060700" cy="482600"/>
           </a:xfrm>
           <a:prstGeom prst="rect">
@@ -9943,7 +10068,7 @@
         </p:blipFill>
         <p:spPr>
           <a:xfrm>
-            <a:off x="2227802" y="4128205"/>
+            <a:off x="2342102" y="4651010"/>
             <a:ext cx="1638300" cy="406400"/>
           </a:xfrm>
           <a:prstGeom prst="rect">
@@ -10411,40 +10536,6 @@
           <a:chExt cx="0" cy="0"/>
         </a:xfrm>
       </p:grpSpPr>
-      <p:sp>
-        <p:nvSpPr>
-          <p:cNvPr id="2" name="Title 1">
-            <a:extLst>
-              <a:ext uri="{FF2B5EF4-FFF2-40B4-BE49-F238E27FC236}">
-                <a16:creationId xmlns:a16="http://schemas.microsoft.com/office/drawing/2014/main" id="{0ED80598-2D61-2743-8987-8D0A41F4025A}"/>
-              </a:ext>
-            </a:extLst>
-          </p:cNvPr>
-          <p:cNvSpPr>
-            <a:spLocks noGrp="1"/>
-          </p:cNvSpPr>
-          <p:nvPr>
-            <p:ph type="title"/>
-          </p:nvPr>
-        </p:nvSpPr>
-        <p:spPr>
-          <a:xfrm>
-            <a:off x="313919" y="433754"/>
-            <a:ext cx="8596668" cy="1320800"/>
-          </a:xfrm>
-        </p:spPr>
-        <p:txBody>
-          <a:bodyPr/>
-          <a:lstStyle/>
-          <a:p>
-            <a:r>
-              <a:rPr lang="en-US" altLang="zh-CN" dirty="0"/>
-              <a:t>Algorithm:</a:t>
-            </a:r>
-            <a:endParaRPr lang="en-US" dirty="0"/>
-          </a:p>
-        </p:txBody>
-      </p:sp>
       <p:pic>
         <p:nvPicPr>
           <p:cNvPr id="5" name="Content Placeholder 4">
@@ -10469,8 +10560,8 @@
         </p:blipFill>
         <p:spPr>
           <a:xfrm>
-            <a:off x="5043443" y="1270000"/>
-            <a:ext cx="5212989" cy="3634745"/>
+            <a:off x="6269540" y="0"/>
+            <a:ext cx="5787117" cy="4035054"/>
           </a:xfrm>
           <a:prstGeom prst="rect">
             <a:avLst/>
@@ -10499,8 +10590,8 @@
         </p:blipFill>
         <p:spPr>
           <a:xfrm>
-            <a:off x="0" y="1270000"/>
-            <a:ext cx="5043443" cy="5462953"/>
+            <a:off x="0" y="0"/>
+            <a:ext cx="5922462" cy="6415088"/>
           </a:xfrm>
           <a:prstGeom prst="rect">
             <a:avLst/>
@@ -10529,8 +10620,8 @@
         </p:blipFill>
         <p:spPr>
           <a:xfrm>
-            <a:off x="5134708" y="4900183"/>
-            <a:ext cx="5375430" cy="1677439"/>
+            <a:off x="6366015" y="3939197"/>
+            <a:ext cx="5690642" cy="1775803"/>
           </a:xfrm>
           <a:prstGeom prst="rect">
             <a:avLst/>
